--- a/slides/Intro_to_Python_MiCM_slides_2022.pptx
+++ b/slides/Intro_to_Python_MiCM_slides_2022.pptx
@@ -134,9 +134,84 @@
 <file path=ppt/revisionInfo.xml><?xml version="1.0" encoding="utf-8"?>
 <p1510:revInfo xmlns:a="http://schemas.openxmlformats.org/drawingml/2006/main" xmlns:r="http://schemas.openxmlformats.org/officeDocument/2006/relationships" xmlns:p1510="http://schemas.microsoft.com/office/powerpoint/2015/10/main">
   <p1510:revLst>
-    <p1510:client id="{5F4AC26D-2348-3B4D-94CE-D7F0CA55AD48}" v="1" dt="2022-09-29T12:27:21.887"/>
+    <p1510:client id="{5F4AC26D-2348-3B4D-94CE-D7F0CA55AD48}" v="5" dt="2022-09-30T12:46:28.949"/>
   </p1510:revLst>
 </p1510:revInfo>
+</file>
+
+<file path=ppt/changesInfos/changesInfo1.xml><?xml version="1.0" encoding="utf-8"?>
+<pc:chgInfo xmlns:a="http://schemas.openxmlformats.org/drawingml/2006/main" xmlns:r="http://schemas.openxmlformats.org/officeDocument/2006/relationships" xmlns:ac="http://schemas.microsoft.com/office/drawing/2013/main/command" xmlns:pc="http://schemas.microsoft.com/office/powerpoint/2013/main/command">
+  <pc:docChgLst>
+    <pc:chgData name="Benjamin Rudski" userId="7f27de5a-3504-4373-b72f-f1b4087044b9" providerId="ADAL" clId="{5F4AC26D-2348-3B4D-94CE-D7F0CA55AD48}"/>
+    <pc:docChg chg="custSel modSld">
+      <pc:chgData name="Benjamin Rudski" userId="7f27de5a-3504-4373-b72f-f1b4087044b9" providerId="ADAL" clId="{5F4AC26D-2348-3B4D-94CE-D7F0CA55AD48}" dt="2022-09-30T12:47:38.284" v="83" actId="1036"/>
+      <pc:docMkLst>
+        <pc:docMk/>
+      </pc:docMkLst>
+      <pc:sldChg chg="addSp modSp mod">
+        <pc:chgData name="Benjamin Rudski" userId="7f27de5a-3504-4373-b72f-f1b4087044b9" providerId="ADAL" clId="{5F4AC26D-2348-3B4D-94CE-D7F0CA55AD48}" dt="2022-09-30T12:44:17.519" v="6" actId="20577"/>
+        <pc:sldMkLst>
+          <pc:docMk/>
+          <pc:sldMk cId="789869961" sldId="329"/>
+        </pc:sldMkLst>
+        <pc:spChg chg="add mod">
+          <ac:chgData name="Benjamin Rudski" userId="7f27de5a-3504-4373-b72f-f1b4087044b9" providerId="ADAL" clId="{5F4AC26D-2348-3B4D-94CE-D7F0CA55AD48}" dt="2022-09-30T12:44:17.519" v="6" actId="20577"/>
+          <ac:spMkLst>
+            <pc:docMk/>
+            <pc:sldMk cId="789869961" sldId="329"/>
+            <ac:spMk id="8" creationId="{BA2E22F5-72BB-30D2-62B3-4F25A38A631B}"/>
+          </ac:spMkLst>
+        </pc:spChg>
+      </pc:sldChg>
+      <pc:sldChg chg="modSp mod">
+        <pc:chgData name="Benjamin Rudski" userId="7f27de5a-3504-4373-b72f-f1b4087044b9" providerId="ADAL" clId="{5F4AC26D-2348-3B4D-94CE-D7F0CA55AD48}" dt="2022-09-30T12:47:38.284" v="83" actId="1036"/>
+        <pc:sldMkLst>
+          <pc:docMk/>
+          <pc:sldMk cId="2780653960" sldId="336"/>
+        </pc:sldMkLst>
+        <pc:spChg chg="mod">
+          <ac:chgData name="Benjamin Rudski" userId="7f27de5a-3504-4373-b72f-f1b4087044b9" providerId="ADAL" clId="{5F4AC26D-2348-3B4D-94CE-D7F0CA55AD48}" dt="2022-09-30T12:47:31.060" v="68" actId="20577"/>
+          <ac:spMkLst>
+            <pc:docMk/>
+            <pc:sldMk cId="2780653960" sldId="336"/>
+            <ac:spMk id="3" creationId="{279DCDA3-584A-0638-4726-769F3929FE8E}"/>
+          </ac:spMkLst>
+        </pc:spChg>
+        <pc:spChg chg="mod">
+          <ac:chgData name="Benjamin Rudski" userId="7f27de5a-3504-4373-b72f-f1b4087044b9" providerId="ADAL" clId="{5F4AC26D-2348-3B4D-94CE-D7F0CA55AD48}" dt="2022-09-30T12:47:38.284" v="83" actId="1036"/>
+          <ac:spMkLst>
+            <pc:docMk/>
+            <pc:sldMk cId="2780653960" sldId="336"/>
+            <ac:spMk id="6" creationId="{6F5AE2F3-4FC8-56C0-150A-2914CD542505}"/>
+          </ac:spMkLst>
+        </pc:spChg>
+        <pc:spChg chg="mod">
+          <ac:chgData name="Benjamin Rudski" userId="7f27de5a-3504-4373-b72f-f1b4087044b9" providerId="ADAL" clId="{5F4AC26D-2348-3B4D-94CE-D7F0CA55AD48}" dt="2022-09-30T12:47:38.284" v="83" actId="1036"/>
+          <ac:spMkLst>
+            <pc:docMk/>
+            <pc:sldMk cId="2780653960" sldId="336"/>
+            <ac:spMk id="7" creationId="{BE5E4C47-C0ED-F57F-7D2F-8DC4238915A5}"/>
+          </ac:spMkLst>
+        </pc:spChg>
+      </pc:sldChg>
+      <pc:sldChg chg="modSp mod">
+        <pc:chgData name="Benjamin Rudski" userId="7f27de5a-3504-4373-b72f-f1b4087044b9" providerId="ADAL" clId="{5F4AC26D-2348-3B4D-94CE-D7F0CA55AD48}" dt="2022-09-30T12:46:29.784" v="21" actId="20577"/>
+        <pc:sldMkLst>
+          <pc:docMk/>
+          <pc:sldMk cId="2428232839" sldId="338"/>
+        </pc:sldMkLst>
+        <pc:spChg chg="mod">
+          <ac:chgData name="Benjamin Rudski" userId="7f27de5a-3504-4373-b72f-f1b4087044b9" providerId="ADAL" clId="{5F4AC26D-2348-3B4D-94CE-D7F0CA55AD48}" dt="2022-09-30T12:46:29.784" v="21" actId="20577"/>
+          <ac:spMkLst>
+            <pc:docMk/>
+            <pc:sldMk cId="2428232839" sldId="338"/>
+            <ac:spMk id="7" creationId="{F4D959EB-D745-66D9-FC50-E589943876B6}"/>
+          </ac:spMkLst>
+        </pc:spChg>
+      </pc:sldChg>
+    </pc:docChg>
+  </pc:docChgLst>
+</pc:chgInfo>
 </file>
 
 <file path=ppt/diagrams/colors1.xml><?xml version="1.0" encoding="utf-8"?>
@@ -5047,7 +5122,7 @@
           <a:p>
             <a:fld id="{217E5156-1B5D-054E-B5B2-E1B1BA160252}" type="datetimeFigureOut">
               <a:rPr lang="fr-FR" smtClean="0"/>
-              <a:t>28/09/2022</a:t>
+              <a:t>30/09/2022</a:t>
             </a:fld>
             <a:endParaRPr lang="fr-FR"/>
           </a:p>
@@ -5615,6 +5690,90 @@
 </file>
 
 <file path=ppt/notesSlides/notesSlide3.xml><?xml version="1.0" encoding="utf-8"?>
+<p:notes xmlns:a="http://schemas.openxmlformats.org/drawingml/2006/main" xmlns:r="http://schemas.openxmlformats.org/officeDocument/2006/relationships" xmlns:p="http://schemas.openxmlformats.org/presentationml/2006/main">
+  <p:cSld>
+    <p:spTree>
+      <p:nvGrpSpPr>
+        <p:cNvPr id="1" name=""/>
+        <p:cNvGrpSpPr/>
+        <p:nvPr/>
+      </p:nvGrpSpPr>
+      <p:grpSpPr>
+        <a:xfrm>
+          <a:off x="0" y="0"/>
+          <a:ext cx="0" cy="0"/>
+          <a:chOff x="0" y="0"/>
+          <a:chExt cx="0" cy="0"/>
+        </a:xfrm>
+      </p:grpSpPr>
+      <p:sp>
+        <p:nvSpPr>
+          <p:cNvPr id="2" name="Slide Image Placeholder 1"/>
+          <p:cNvSpPr>
+            <a:spLocks noGrp="1" noRot="1" noChangeAspect="1"/>
+          </p:cNvSpPr>
+          <p:nvPr>
+            <p:ph type="sldImg"/>
+          </p:nvPr>
+        </p:nvSpPr>
+        <p:spPr/>
+      </p:sp>
+      <p:sp>
+        <p:nvSpPr>
+          <p:cNvPr id="3" name="Notes Placeholder 2"/>
+          <p:cNvSpPr>
+            <a:spLocks noGrp="1"/>
+          </p:cNvSpPr>
+          <p:nvPr>
+            <p:ph type="body" idx="1"/>
+          </p:nvPr>
+        </p:nvSpPr>
+        <p:spPr/>
+        <p:txBody>
+          <a:bodyPr/>
+          <a:lstStyle/>
+          <a:p>
+            <a:endParaRPr lang="en-US" dirty="0"/>
+          </a:p>
+        </p:txBody>
+      </p:sp>
+      <p:sp>
+        <p:nvSpPr>
+          <p:cNvPr id="4" name="Slide Number Placeholder 3"/>
+          <p:cNvSpPr>
+            <a:spLocks noGrp="1"/>
+          </p:cNvSpPr>
+          <p:nvPr>
+            <p:ph type="sldNum" sz="quarter" idx="5"/>
+          </p:nvPr>
+        </p:nvSpPr>
+        <p:spPr/>
+        <p:txBody>
+          <a:bodyPr/>
+          <a:lstStyle/>
+          <a:p>
+            <a:fld id="{DACBD60B-517C-4242-AE46-E1BD2D086542}" type="slidenum">
+              <a:rPr lang="fr-FR" smtClean="0"/>
+              <a:t>14</a:t>
+            </a:fld>
+            <a:endParaRPr lang="fr-FR"/>
+          </a:p>
+        </p:txBody>
+      </p:sp>
+    </p:spTree>
+    <p:extLst>
+      <p:ext uri="{BB962C8B-B14F-4D97-AF65-F5344CB8AC3E}">
+        <p14:creationId xmlns:p14="http://schemas.microsoft.com/office/powerpoint/2010/main" val="3158518463"/>
+      </p:ext>
+    </p:extLst>
+  </p:cSld>
+  <p:clrMapOvr>
+    <a:masterClrMapping/>
+  </p:clrMapOvr>
+</p:notes>
+</file>
+
+<file path=ppt/notesSlides/notesSlide4.xml><?xml version="1.0" encoding="utf-8"?>
 <p:notes xmlns:a="http://schemas.openxmlformats.org/drawingml/2006/main" xmlns:r="http://schemas.openxmlformats.org/officeDocument/2006/relationships" xmlns:p="http://schemas.openxmlformats.org/presentationml/2006/main">
   <p:cSld>
     <p:spTree>
@@ -9190,6 +9349,12 @@
           <a:p>
             <a:r>
               <a:rPr lang="en-US" b="1" dirty="0"/>
+              <a:t>What’s with all those different languages????</a:t>
+            </a:r>
+          </a:p>
+          <a:p>
+            <a:r>
+              <a:rPr lang="en-US" b="1" dirty="0"/>
               <a:t>Poll:</a:t>
             </a:r>
             <a:r>
@@ -9271,7 +9436,7 @@
         </p:nvSpPr>
         <p:spPr>
           <a:xfrm>
-            <a:off x="377329" y="2551837"/>
+            <a:off x="377329" y="2937605"/>
             <a:ext cx="8389341" cy="1754326"/>
           </a:xfrm>
           <a:prstGeom prst="rect">
@@ -9325,7 +9490,7 @@
         </p:nvSpPr>
         <p:spPr>
           <a:xfrm>
-            <a:off x="377328" y="4485551"/>
+            <a:off x="377328" y="4871319"/>
             <a:ext cx="8389341" cy="923330"/>
           </a:xfrm>
           <a:prstGeom prst="rect">
@@ -9724,7 +9889,7 @@
           </p:nvPr>
         </p:nvPicPr>
         <p:blipFill>
-          <a:blip r:embed="rId2"/>
+          <a:blip r:embed="rId3"/>
           <a:stretch>
             <a:fillRect/>
           </a:stretch>
@@ -9759,20 +9924,45 @@
           </a:xfrm>
         </p:spPr>
         <p:txBody>
-          <a:bodyPr/>
+          <a:bodyPr>
+            <a:normAutofit lnSpcReduction="10000"/>
+          </a:bodyPr>
           <a:lstStyle/>
           <a:p>
             <a:r>
               <a:rPr lang="en-US" dirty="0"/>
-              <a:t>For more history: </a:t>
-            </a:r>
-            <a:r>
-              <a:rPr lang="en-US" sz="2000" dirty="0">
-                <a:hlinkClick r:id="rId3"/>
+              <a:t>For more history:</a:t>
+            </a:r>
+          </a:p>
+          <a:p>
+            <a:pPr lvl="1"/>
+            <a:r>
+              <a:rPr lang="en-US" sz="1600" dirty="0">
+                <a:hlinkClick r:id="rId4"/>
               </a:rPr>
               <a:t>https://en.wikipedia.org/wiki/History_of_Python</a:t>
             </a:r>
-            <a:endParaRPr lang="en-US" dirty="0"/>
+            <a:endParaRPr lang="en-US" sz="1600" dirty="0"/>
+          </a:p>
+          <a:p>
+            <a:pPr lvl="1"/>
+            <a:r>
+              <a:rPr lang="en-US" sz="1600" dirty="0">
+                <a:hlinkClick r:id="rId5"/>
+              </a:rPr>
+              <a:t>https://www.geeksforgeeks.org/history-of-python/</a:t>
+            </a:r>
+            <a:endParaRPr lang="en-US" sz="1600" dirty="0"/>
+          </a:p>
+          <a:p>
+            <a:pPr lvl="1"/>
+            <a:r>
+              <a:rPr lang="en-US" sz="1600" dirty="0">
+                <a:hlinkClick r:id="rId6"/>
+              </a:rPr>
+              <a:t>https://docs.python.org/3/faq/general.html</a:t>
+            </a:r>
+            <a:endParaRPr lang="en-US" sz="1600" dirty="0"/>
           </a:p>
           <a:p>
             <a:r>
@@ -9810,7 +10000,7 @@
           <a:p>
             <a:r>
               <a:rPr lang="en-US" dirty="0">
-                <a:hlinkClick r:id="rId4"/>
+                <a:hlinkClick r:id="rId7"/>
               </a:rPr>
               <a:t>https://python.org</a:t>
             </a:r>
@@ -10327,6 +10517,45 @@
               </a:rPr>
               <a:t> Notebook</a:t>
             </a:r>
+          </a:p>
+        </p:txBody>
+      </p:sp>
+      <p:sp>
+        <p:nvSpPr>
+          <p:cNvPr id="8" name="TextBox 7">
+            <a:extLst>
+              <a:ext uri="{FF2B5EF4-FFF2-40B4-BE49-F238E27FC236}">
+                <a16:creationId xmlns:a16="http://schemas.microsoft.com/office/drawing/2014/main" id="{BA2E22F5-72BB-30D2-62B3-4F25A38A631B}"/>
+              </a:ext>
+            </a:extLst>
+          </p:cNvPr>
+          <p:cNvSpPr txBox="1"/>
+          <p:nvPr/>
+        </p:nvSpPr>
+        <p:spPr>
+          <a:xfrm>
+            <a:off x="1457325" y="4984136"/>
+            <a:ext cx="6229350" cy="369460"/>
+          </a:xfrm>
+          <a:prstGeom prst="rect">
+            <a:avLst/>
+          </a:prstGeom>
+          <a:noFill/>
+        </p:spPr>
+        <p:txBody>
+          <a:bodyPr wrap="square">
+            <a:spAutoFit/>
+          </a:bodyPr>
+          <a:lstStyle/>
+          <a:p>
+            <a:pPr algn="ctr"/>
+            <a:r>
+              <a:rPr lang="en-US" dirty="0">
+                <a:hlinkClick r:id="rId4"/>
+              </a:rPr>
+              <a:t>https://github.com/bzrudski/micm_intro_to_python_fall_2022</a:t>
+            </a:r>
+            <a:endParaRPr lang="en-US" dirty="0"/>
           </a:p>
         </p:txBody>
       </p:sp>
